--- a/server/demo.pptx
+++ b/server/demo.pptx
@@ -8,11 +8,9 @@
     <p:sldId id="256" r:id="rId2"/>
     <p:sldId id="257" r:id="rId3"/>
     <p:sldId id="258" r:id="rId4"/>
-    <p:sldId id="259" r:id="rId5"/>
-    <p:sldId id="260" r:id="rId6"/>
   </p:sldIdLst>
   <p:notesMasterIdLst>
-    <p:notesMasterId r:id="rId7"/>
+    <p:notesMasterId r:id="rId5"/>
   </p:notesMasterIdLst>
   <p:sldSz cx="9144000" cy="5143500"/>
   <p:notesSz cx="5143500" cy="9144000"/>
@@ -706,182 +704,6 @@
             <a:fld id="{F7021451-1387-4CA6-816F-3879F97B5CBC}" type="slidenum">
               <a:rPr lang="en-US"/>
               <a:t>3</a:t>
-            </a:fld>
-            <a:endParaRPr lang="en-US"/>
-          </a:p>
-        </p:txBody>
-      </p:sp>
-    </p:spTree>
-    <p:extLst>
-      <p:ext uri="{BB962C8B-B14F-4D97-AF65-F5344CB8AC3E}">
-        <p14:creationId xmlns:p14="http://schemas.microsoft.com/office/powerpoint/2010/main" val="1024086991"/>
-      </p:ext>
-    </p:extLst>
-  </p:cSld>
-  <p:clrMapOvr>
-    <a:masterClrMapping/>
-  </p:clrMapOvr>
-</p:notes>
-</file>
-
-<file path=ppt/notesSlides/notesSlide4.xml><?xml version="1.0" encoding="utf-8"?>
-<p:notes xmlns:a="http://schemas.openxmlformats.org/drawingml/2006/main" xmlns:r="http://schemas.openxmlformats.org/officeDocument/2006/relationships" xmlns:p="http://schemas.openxmlformats.org/presentationml/2006/main">
-  <p:cSld>
-    <p:spTree>
-      <p:nvGrpSpPr>
-        <p:cNvPr id="1" name=""/>
-        <p:cNvGrpSpPr/>
-        <p:nvPr/>
-      </p:nvGrpSpPr>
-      <p:grpSpPr>
-        <a:xfrm>
-          <a:off x="0" y="0"/>
-          <a:ext cx="0" cy="0"/>
-          <a:chOff x="0" y="0"/>
-          <a:chExt cx="0" cy="0"/>
-        </a:xfrm>
-      </p:grpSpPr>
-      <p:sp>
-        <p:nvSpPr>
-          <p:cNvPr id="2" name="Slide Image Placeholder 1"/>
-          <p:cNvSpPr>
-            <a:spLocks noGrp="1" noRot="1" noChangeAspect="1"/>
-          </p:cNvSpPr>
-          <p:nvPr>
-            <p:ph type="sldImg"/>
-          </p:nvPr>
-        </p:nvSpPr>
-        <p:spPr/>
-      </p:sp>
-      <p:sp>
-        <p:nvSpPr>
-          <p:cNvPr id="3" name="Notes Placeholder 2"/>
-          <p:cNvSpPr>
-            <a:spLocks noGrp="1"/>
-          </p:cNvSpPr>
-          <p:nvPr>
-            <p:ph type="body" idx="1"/>
-          </p:nvPr>
-        </p:nvSpPr>
-        <p:spPr/>
-        <p:txBody>
-          <a:bodyPr/>
-          <a:lstStyle/>
-          <a:p>
-            <a:r>
-              <a:rPr lang="en-US" dirty="0"/>
-              <a:t/>
-            </a:r>
-            <a:endParaRPr lang="en-US" dirty="0"/>
-          </a:p>
-        </p:txBody>
-      </p:sp>
-      <p:sp>
-        <p:nvSpPr>
-          <p:cNvPr id="4" name="Slide Number Placeholder 3"/>
-          <p:cNvSpPr>
-            <a:spLocks noGrp="1"/>
-          </p:cNvSpPr>
-          <p:nvPr>
-            <p:ph type="sldNum" sz="quarter" idx="10"/>
-          </p:nvPr>
-        </p:nvSpPr>
-        <p:spPr/>
-        <p:txBody>
-          <a:bodyPr/>
-          <a:lstStyle/>
-          <a:p>
-            <a:fld id="{F7021451-1387-4CA6-816F-3879F97B5CBC}" type="slidenum">
-              <a:rPr lang="en-US"/>
-              <a:t>4</a:t>
-            </a:fld>
-            <a:endParaRPr lang="en-US"/>
-          </a:p>
-        </p:txBody>
-      </p:sp>
-    </p:spTree>
-    <p:extLst>
-      <p:ext uri="{BB962C8B-B14F-4D97-AF65-F5344CB8AC3E}">
-        <p14:creationId xmlns:p14="http://schemas.microsoft.com/office/powerpoint/2010/main" val="1024086991"/>
-      </p:ext>
-    </p:extLst>
-  </p:cSld>
-  <p:clrMapOvr>
-    <a:masterClrMapping/>
-  </p:clrMapOvr>
-</p:notes>
-</file>
-
-<file path=ppt/notesSlides/notesSlide5.xml><?xml version="1.0" encoding="utf-8"?>
-<p:notes xmlns:a="http://schemas.openxmlformats.org/drawingml/2006/main" xmlns:r="http://schemas.openxmlformats.org/officeDocument/2006/relationships" xmlns:p="http://schemas.openxmlformats.org/presentationml/2006/main">
-  <p:cSld>
-    <p:spTree>
-      <p:nvGrpSpPr>
-        <p:cNvPr id="1" name=""/>
-        <p:cNvGrpSpPr/>
-        <p:nvPr/>
-      </p:nvGrpSpPr>
-      <p:grpSpPr>
-        <a:xfrm>
-          <a:off x="0" y="0"/>
-          <a:ext cx="0" cy="0"/>
-          <a:chOff x="0" y="0"/>
-          <a:chExt cx="0" cy="0"/>
-        </a:xfrm>
-      </p:grpSpPr>
-      <p:sp>
-        <p:nvSpPr>
-          <p:cNvPr id="2" name="Slide Image Placeholder 1"/>
-          <p:cNvSpPr>
-            <a:spLocks noGrp="1" noRot="1" noChangeAspect="1"/>
-          </p:cNvSpPr>
-          <p:nvPr>
-            <p:ph type="sldImg"/>
-          </p:nvPr>
-        </p:nvSpPr>
-        <p:spPr/>
-      </p:sp>
-      <p:sp>
-        <p:nvSpPr>
-          <p:cNvPr id="3" name="Notes Placeholder 2"/>
-          <p:cNvSpPr>
-            <a:spLocks noGrp="1"/>
-          </p:cNvSpPr>
-          <p:nvPr>
-            <p:ph type="body" idx="1"/>
-          </p:nvPr>
-        </p:nvSpPr>
-        <p:spPr/>
-        <p:txBody>
-          <a:bodyPr/>
-          <a:lstStyle/>
-          <a:p>
-            <a:r>
-              <a:rPr lang="en-US" dirty="0"/>
-              <a:t/>
-            </a:r>
-            <a:endParaRPr lang="en-US" dirty="0"/>
-          </a:p>
-        </p:txBody>
-      </p:sp>
-      <p:sp>
-        <p:nvSpPr>
-          <p:cNvPr id="4" name="Slide Number Placeholder 3"/>
-          <p:cNvSpPr>
-            <a:spLocks noGrp="1"/>
-          </p:cNvSpPr>
-          <p:nvPr>
-            <p:ph type="sldNum" sz="quarter" idx="10"/>
-          </p:nvPr>
-        </p:nvSpPr>
-        <p:spPr/>
-        <p:txBody>
-          <a:bodyPr/>
-          <a:lstStyle/>
-          <a:p>
-            <a:fld id="{F7021451-1387-4CA6-816F-3879F97B5CBC}" type="slidenum">
-              <a:rPr lang="en-US"/>
-              <a:t>5</a:t>
             </a:fld>
             <a:endParaRPr lang="en-US"/>
           </a:p>
@@ -1232,7 +1054,7 @@
         </p:nvSpPr>
         <p:spPr>
           <a:xfrm>
-            <a:off x="0" y="2571750"/>
+            <a:off x="914400" y="2571750"/>
             <a:ext cx="7315200" cy="0"/>
           </a:xfrm>
           <a:prstGeom prst="rect">
@@ -1247,18 +1069,43 @@
           <a:bodyPr wrap="square" rtlCol="0" anchor="ctr"/>
           <a:lstStyle/>
           <a:p>
+            <a:pPr algn="ctr"/>
             <a:r>
               <a:rPr lang="en-US" sz="3600" dirty="0">
                 <a:solidFill>
                   <a:srgbClr val="000000"/>
                 </a:solidFill>
               </a:rPr>
-              <a:t>What  drives  the  success  of  reforestation  projects  in  tropical  developing</a:t>
+              <a:t>PowerPoint Presentation</a:t>
             </a:r>
             <a:endParaRPr lang="en-US" sz="3600" dirty="0"/>
           </a:p>
         </p:txBody>
       </p:sp>
+      <p:pic>
+        <p:nvPicPr>
+          <p:cNvPr id="3" name="Image 0" descr="https://oaidalleapiprodscus.blob.core.windows.net/private/org-kh7WXvkCzX8AOjatLuJIwQSQ/user-yBfJYN8yJPY4RbUDxE7hsGhR/img-x1n9f63Yfc6CuQGkP58ZHnUA.png?st=2023-02-26T00%3A46%3A04Z&amp;se=2023-02-26T02%3A46%3A04Z&amp;sp=r&amp;sv=2021-08-06&amp;sr=b&amp;rscd=inline&amp;rsct=image/png&amp;skoid=6aaadede-4fb3-4698-a8f6-684d7786b067&amp;sktid=a48cca56-e6da-484e-a814-9c849652bcb3&amp;skt=2023-02-25T11%3A07%3A15Z&amp;ske=2023-02-26T11%3A07%3A15Z&amp;sks=b&amp;skv=2021-08-06&amp;sig=PoNVbDHtIEJqGihplx4nYa5hS%2Bcrv6Ik0WuHiNqs9Dk%3D">    </p:cNvPr>
+          <p:cNvPicPr>
+            <a:picLocks noChangeAspect="1"/>
+          </p:cNvPicPr>
+          <p:nvPr/>
+        </p:nvPicPr>
+        <p:blipFill>
+          <a:blip r:embed="rId1"/>
+          <a:stretch>
+            <a:fillRect/>
+          </a:stretch>
+        </p:blipFill>
+        <p:spPr>
+          <a:xfrm>
+            <a:off x="0" y="0"/>
+            <a:ext cx="914400" cy="914400"/>
+          </a:xfrm>
+          <a:prstGeom prst="rect">
+            <a:avLst/>
+          </a:prstGeom>
+        </p:spPr>
+      </p:pic>
     </p:spTree>
   </p:cSld>
   <p:clrMapOvr>
@@ -1307,13 +1154,16 @@
           <a:bodyPr wrap="square" rtlCol="0" anchor="ctr"/>
           <a:lstStyle/>
           <a:p>
+            <a:endParaRPr lang="en-US" sz="3600" dirty="0"/>
+          </a:p>
+          <a:p>
             <a:r>
               <a:rPr lang="en-US" sz="3600" dirty="0">
                 <a:solidFill>
                   <a:srgbClr val="000000"/>
                 </a:solidFill>
               </a:rPr>
-              <a:t>the  net  loss  of  forest  area  globally  has  slowed  from  8.3  million  ha</a:t>
+              <a:t>Table of Contents: This document contains a table of contents for the course AB1601, which covers topics such as seminar roles and norms, learning goals and assessments, activities, and important dates.</a:t>
             </a:r>
             <a:endParaRPr lang="en-US" sz="3600" dirty="0"/>
           </a:p>
@@ -1373,127 +1223,7 @@
                   <a:srgbClr val="000000"/>
                 </a:solidFill>
               </a:rPr>
-              <a:t>(Meyfroidt  and  Lambin,  2011 ).Reforestation  through  planting  trees  on  cleared  land  is  an</a:t>
-            </a:r>
-            <a:endParaRPr lang="en-US" sz="3600" dirty="0"/>
-          </a:p>
-        </p:txBody>
-      </p:sp>
-    </p:spTree>
-  </p:cSld>
-  <p:clrMapOvr>
-    <a:masterClrMapping/>
-  </p:clrMapOvr>
-</p:sld>
-</file>
-
-<file path=ppt/slides/slide4.xml><?xml version="1.0" encoding="utf-8"?>
-<p:sld xmlns:a="http://schemas.openxmlformats.org/drawingml/2006/main" xmlns:r="http://schemas.openxmlformats.org/officeDocument/2006/relationships" xmlns:p="http://schemas.openxmlformats.org/presentationml/2006/main">
-  <p:cSld name="Slide 4">
-    <p:spTree>
-      <p:nvGrpSpPr>
-        <p:cNvPr id="1" name=""/>
-        <p:cNvGrpSpPr/>
-        <p:nvPr/>
-      </p:nvGrpSpPr>
-      <p:grpSpPr>
-        <a:xfrm>
-          <a:off x="0" y="0"/>
-          <a:ext cx="0" cy="0"/>
-          <a:chOff x="0" y="0"/>
-          <a:chExt cx="0" cy="0"/>
-        </a:xfrm>
-      </p:grpSpPr>
-      <p:sp>
-        <p:nvSpPr>
-          <p:cNvPr id="2" name="Text 0"/>
-          <p:cNvSpPr/>
-          <p:nvPr/>
-        </p:nvSpPr>
-        <p:spPr>
-          <a:xfrm>
-            <a:off x="0" y="2571750"/>
-            <a:ext cx="7315200" cy="0"/>
-          </a:xfrm>
-          <a:prstGeom prst="rect">
-            <a:avLst/>
-          </a:prstGeom>
-          <a:solidFill>
-            <a:srgbClr val="FFFFFF"/>
-          </a:solidFill>
-          <a:ln/>
-        </p:spPr>
-        <p:txBody>
-          <a:bodyPr wrap="square" rtlCol="0" anchor="ctr"/>
-          <a:lstStyle/>
-          <a:p>
-            <a:r>
-              <a:rPr lang="en-US" sz="3600" dirty="0">
-                <a:solidFill>
-                  <a:srgbClr val="000000"/>
-                </a:solidFill>
-              </a:rPr>
-              <a:t>reported  in  the  forest  transition  literature,  however  reforestation  is</a:t>
-            </a:r>
-            <a:endParaRPr lang="en-US" sz="3600" dirty="0"/>
-          </a:p>
-        </p:txBody>
-      </p:sp>
-    </p:spTree>
-  </p:cSld>
-  <p:clrMapOvr>
-    <a:masterClrMapping/>
-  </p:clrMapOvr>
-</p:sld>
-</file>
-
-<file path=ppt/slides/slide5.xml><?xml version="1.0" encoding="utf-8"?>
-<p:sld xmlns:a="http://schemas.openxmlformats.org/drawingml/2006/main" xmlns:r="http://schemas.openxmlformats.org/officeDocument/2006/relationships" xmlns:p="http://schemas.openxmlformats.org/presentationml/2006/main">
-  <p:cSld name="Slide 5">
-    <p:spTree>
-      <p:nvGrpSpPr>
-        <p:cNvPr id="1" name=""/>
-        <p:cNvGrpSpPr/>
-        <p:nvPr/>
-      </p:nvGrpSpPr>
-      <p:grpSpPr>
-        <a:xfrm>
-          <a:off x="0" y="0"/>
-          <a:ext cx="0" cy="0"/>
-          <a:chOff x="0" y="0"/>
-          <a:chExt cx="0" cy="0"/>
-        </a:xfrm>
-      </p:grpSpPr>
-      <p:sp>
-        <p:nvSpPr>
-          <p:cNvPr id="2" name="Text 0"/>
-          <p:cNvSpPr/>
-          <p:nvPr/>
-        </p:nvSpPr>
-        <p:spPr>
-          <a:xfrm>
-            <a:off x="0" y="2571750"/>
-            <a:ext cx="7315200" cy="0"/>
-          </a:xfrm>
-          <a:prstGeom prst="rect">
-            <a:avLst/>
-          </a:prstGeom>
-          <a:solidFill>
-            <a:srgbClr val="FFFFFF"/>
-          </a:solidFill>
-          <a:ln/>
-        </p:spPr>
-        <p:txBody>
-          <a:bodyPr wrap="square" rtlCol="0" anchor="ctr"/>
-          <a:lstStyle/>
-          <a:p>
-            <a:r>
-              <a:rPr lang="en-US" sz="3600" dirty="0">
-                <a:solidFill>
-                  <a:srgbClr val="000000"/>
-                </a:solidFill>
-              </a:rPr>
-              <a:t>increases,  the  study  of  forest  rehabilitation  could  shed  light  on</a:t>
+              <a:t> It also includes a declaration of academic integrity and a social contract outlining expected behaviors and outcomes.</a:t>
             </a:r>
             <a:endParaRPr lang="en-US" sz="3600" dirty="0"/>
           </a:p>
